--- a/Welcome To python.pptx
+++ b/Welcome To python.pptx
@@ -262,7 +262,7 @@
           <a:p>
             <a:fld id="{7BBA4A34-0CC2-4C73-92A6-733CB216D639}" type="datetimeFigureOut">
               <a:rPr lang="en-US" smtClean="0"/>
-              <a:t>6/3/2019</a:t>
+              <a:t>6/11/2019</a:t>
             </a:fld>
             <a:endParaRPr lang="en-US"/>
           </a:p>
@@ -432,7 +432,7 @@
           <a:p>
             <a:fld id="{7BBA4A34-0CC2-4C73-92A6-733CB216D639}" type="datetimeFigureOut">
               <a:rPr lang="en-US" smtClean="0"/>
-              <a:t>6/3/2019</a:t>
+              <a:t>6/11/2019</a:t>
             </a:fld>
             <a:endParaRPr lang="en-US"/>
           </a:p>
@@ -612,7 +612,7 @@
           <a:p>
             <a:fld id="{7BBA4A34-0CC2-4C73-92A6-733CB216D639}" type="datetimeFigureOut">
               <a:rPr lang="en-US" smtClean="0"/>
-              <a:t>6/3/2019</a:t>
+              <a:t>6/11/2019</a:t>
             </a:fld>
             <a:endParaRPr lang="en-US"/>
           </a:p>
@@ -782,7 +782,7 @@
           <a:p>
             <a:fld id="{7BBA4A34-0CC2-4C73-92A6-733CB216D639}" type="datetimeFigureOut">
               <a:rPr lang="en-US" smtClean="0"/>
-              <a:t>6/3/2019</a:t>
+              <a:t>6/11/2019</a:t>
             </a:fld>
             <a:endParaRPr lang="en-US"/>
           </a:p>
@@ -1028,7 +1028,7 @@
           <a:p>
             <a:fld id="{7BBA4A34-0CC2-4C73-92A6-733CB216D639}" type="datetimeFigureOut">
               <a:rPr lang="en-US" smtClean="0"/>
-              <a:t>6/3/2019</a:t>
+              <a:t>6/11/2019</a:t>
             </a:fld>
             <a:endParaRPr lang="en-US"/>
           </a:p>
@@ -1260,7 +1260,7 @@
           <a:p>
             <a:fld id="{7BBA4A34-0CC2-4C73-92A6-733CB216D639}" type="datetimeFigureOut">
               <a:rPr lang="en-US" smtClean="0"/>
-              <a:t>6/3/2019</a:t>
+              <a:t>6/11/2019</a:t>
             </a:fld>
             <a:endParaRPr lang="en-US"/>
           </a:p>
@@ -1627,7 +1627,7 @@
           <a:p>
             <a:fld id="{7BBA4A34-0CC2-4C73-92A6-733CB216D639}" type="datetimeFigureOut">
               <a:rPr lang="en-US" smtClean="0"/>
-              <a:t>6/3/2019</a:t>
+              <a:t>6/11/2019</a:t>
             </a:fld>
             <a:endParaRPr lang="en-US"/>
           </a:p>
@@ -1745,7 +1745,7 @@
           <a:p>
             <a:fld id="{7BBA4A34-0CC2-4C73-92A6-733CB216D639}" type="datetimeFigureOut">
               <a:rPr lang="en-US" smtClean="0"/>
-              <a:t>6/3/2019</a:t>
+              <a:t>6/11/2019</a:t>
             </a:fld>
             <a:endParaRPr lang="en-US"/>
           </a:p>
@@ -1840,7 +1840,7 @@
           <a:p>
             <a:fld id="{7BBA4A34-0CC2-4C73-92A6-733CB216D639}" type="datetimeFigureOut">
               <a:rPr lang="en-US" smtClean="0"/>
-              <a:t>6/3/2019</a:t>
+              <a:t>6/11/2019</a:t>
             </a:fld>
             <a:endParaRPr lang="en-US"/>
           </a:p>
@@ -2117,7 +2117,7 @@
           <a:p>
             <a:fld id="{7BBA4A34-0CC2-4C73-92A6-733CB216D639}" type="datetimeFigureOut">
               <a:rPr lang="en-US" smtClean="0"/>
-              <a:t>6/3/2019</a:t>
+              <a:t>6/11/2019</a:t>
             </a:fld>
             <a:endParaRPr lang="en-US"/>
           </a:p>
@@ -2370,7 +2370,7 @@
           <a:p>
             <a:fld id="{7BBA4A34-0CC2-4C73-92A6-733CB216D639}" type="datetimeFigureOut">
               <a:rPr lang="en-US" smtClean="0"/>
-              <a:t>6/3/2019</a:t>
+              <a:t>6/11/2019</a:t>
             </a:fld>
             <a:endParaRPr lang="en-US"/>
           </a:p>
@@ -2583,7 +2583,7 @@
           <a:p>
             <a:fld id="{7BBA4A34-0CC2-4C73-92A6-733CB216D639}" type="datetimeFigureOut">
               <a:rPr lang="en-US" smtClean="0"/>
-              <a:t>6/3/2019</a:t>
+              <a:t>6/11/2019</a:t>
             </a:fld>
             <a:endParaRPr lang="en-US"/>
           </a:p>
@@ -4953,11 +4953,7 @@
             </a:r>
             <a:r>
               <a:rPr lang="en-US" dirty="0" smtClean="0"/>
-              <a:t>{people[3</a:t>
-            </a:r>
-            <a:r>
-              <a:rPr lang="en-US" dirty="0" smtClean="0"/>
-              <a:t>][</a:t>
+              <a:t>{people[3][</a:t>
             </a:r>
             <a:r>
               <a:rPr lang="en-US" dirty="0"/>
@@ -4965,13 +4961,8 @@
             </a:r>
             <a:r>
               <a:rPr lang="en-US" dirty="0" smtClean="0"/>
-              <a:t>'Luna</a:t>
-            </a:r>
-            <a:r>
-              <a:rPr lang="en-US" dirty="0" smtClean="0"/>
-              <a:t>‘}</a:t>
-            </a:r>
-            <a:endParaRPr lang="en-US" dirty="0" smtClean="0"/>
+              <a:t>'Luna‘}</a:t>
+            </a:r>
           </a:p>
           <a:p>
             <a:pPr marL="0" indent="0">
@@ -6788,19 +6779,8 @@
                 <a:latin typeface="Times New Roman" panose="02020603050405020304" pitchFamily="18" charset="0"/>
                 <a:cs typeface="Times New Roman" panose="02020603050405020304" pitchFamily="18" charset="0"/>
               </a:rPr>
-              <a:t>: max(list1</a:t>
-            </a:r>
-            <a:r>
-              <a:rPr lang="en-US" smtClean="0">
-                <a:latin typeface="Times New Roman" panose="02020603050405020304" pitchFamily="18" charset="0"/>
-                <a:cs typeface="Times New Roman" panose="02020603050405020304" pitchFamily="18" charset="0"/>
-              </a:rPr>
-              <a:t>) min(list1)</a:t>
-            </a:r>
-            <a:endParaRPr lang="en-US" dirty="0" smtClean="0">
-              <a:latin typeface="Times New Roman" panose="02020603050405020304" pitchFamily="18" charset="0"/>
-              <a:cs typeface="Times New Roman" panose="02020603050405020304" pitchFamily="18" charset="0"/>
-            </a:endParaRPr>
+              <a:t>: max(list1) min(list1)</a:t>
+            </a:r>
           </a:p>
           <a:p>
             <a:pPr algn="l"/>

--- a/Welcome To python.pptx
+++ b/Welcome To python.pptx
@@ -262,7 +262,7 @@
           <a:p>
             <a:fld id="{7BBA4A34-0CC2-4C73-92A6-733CB216D639}" type="datetimeFigureOut">
               <a:rPr lang="en-US" smtClean="0"/>
-              <a:t>6/11/2019</a:t>
+              <a:t>6/12/2019</a:t>
             </a:fld>
             <a:endParaRPr lang="en-US"/>
           </a:p>
@@ -432,7 +432,7 @@
           <a:p>
             <a:fld id="{7BBA4A34-0CC2-4C73-92A6-733CB216D639}" type="datetimeFigureOut">
               <a:rPr lang="en-US" smtClean="0"/>
-              <a:t>6/11/2019</a:t>
+              <a:t>6/12/2019</a:t>
             </a:fld>
             <a:endParaRPr lang="en-US"/>
           </a:p>
@@ -612,7 +612,7 @@
           <a:p>
             <a:fld id="{7BBA4A34-0CC2-4C73-92A6-733CB216D639}" type="datetimeFigureOut">
               <a:rPr lang="en-US" smtClean="0"/>
-              <a:t>6/11/2019</a:t>
+              <a:t>6/12/2019</a:t>
             </a:fld>
             <a:endParaRPr lang="en-US"/>
           </a:p>
@@ -782,7 +782,7 @@
           <a:p>
             <a:fld id="{7BBA4A34-0CC2-4C73-92A6-733CB216D639}" type="datetimeFigureOut">
               <a:rPr lang="en-US" smtClean="0"/>
-              <a:t>6/11/2019</a:t>
+              <a:t>6/12/2019</a:t>
             </a:fld>
             <a:endParaRPr lang="en-US"/>
           </a:p>
@@ -1028,7 +1028,7 @@
           <a:p>
             <a:fld id="{7BBA4A34-0CC2-4C73-92A6-733CB216D639}" type="datetimeFigureOut">
               <a:rPr lang="en-US" smtClean="0"/>
-              <a:t>6/11/2019</a:t>
+              <a:t>6/12/2019</a:t>
             </a:fld>
             <a:endParaRPr lang="en-US"/>
           </a:p>
@@ -1260,7 +1260,7 @@
           <a:p>
             <a:fld id="{7BBA4A34-0CC2-4C73-92A6-733CB216D639}" type="datetimeFigureOut">
               <a:rPr lang="en-US" smtClean="0"/>
-              <a:t>6/11/2019</a:t>
+              <a:t>6/12/2019</a:t>
             </a:fld>
             <a:endParaRPr lang="en-US"/>
           </a:p>
@@ -1627,7 +1627,7 @@
           <a:p>
             <a:fld id="{7BBA4A34-0CC2-4C73-92A6-733CB216D639}" type="datetimeFigureOut">
               <a:rPr lang="en-US" smtClean="0"/>
-              <a:t>6/11/2019</a:t>
+              <a:t>6/12/2019</a:t>
             </a:fld>
             <a:endParaRPr lang="en-US"/>
           </a:p>
@@ -1745,7 +1745,7 @@
           <a:p>
             <a:fld id="{7BBA4A34-0CC2-4C73-92A6-733CB216D639}" type="datetimeFigureOut">
               <a:rPr lang="en-US" smtClean="0"/>
-              <a:t>6/11/2019</a:t>
+              <a:t>6/12/2019</a:t>
             </a:fld>
             <a:endParaRPr lang="en-US"/>
           </a:p>
@@ -1840,7 +1840,7 @@
           <a:p>
             <a:fld id="{7BBA4A34-0CC2-4C73-92A6-733CB216D639}" type="datetimeFigureOut">
               <a:rPr lang="en-US" smtClean="0"/>
-              <a:t>6/11/2019</a:t>
+              <a:t>6/12/2019</a:t>
             </a:fld>
             <a:endParaRPr lang="en-US"/>
           </a:p>
@@ -2117,7 +2117,7 @@
           <a:p>
             <a:fld id="{7BBA4A34-0CC2-4C73-92A6-733CB216D639}" type="datetimeFigureOut">
               <a:rPr lang="en-US" smtClean="0"/>
-              <a:t>6/11/2019</a:t>
+              <a:t>6/12/2019</a:t>
             </a:fld>
             <a:endParaRPr lang="en-US"/>
           </a:p>
@@ -2370,7 +2370,7 @@
           <a:p>
             <a:fld id="{7BBA4A34-0CC2-4C73-92A6-733CB216D639}" type="datetimeFigureOut">
               <a:rPr lang="en-US" smtClean="0"/>
-              <a:t>6/11/2019</a:t>
+              <a:t>6/12/2019</a:t>
             </a:fld>
             <a:endParaRPr lang="en-US"/>
           </a:p>
@@ -2583,7 +2583,7 @@
           <a:p>
             <a:fld id="{7BBA4A34-0CC2-4C73-92A6-733CB216D639}" type="datetimeFigureOut">
               <a:rPr lang="en-US" smtClean="0"/>
-              <a:t>6/11/2019</a:t>
+              <a:t>6/12/2019</a:t>
             </a:fld>
             <a:endParaRPr lang="en-US"/>
           </a:p>
